--- a/Surya Rekhapalli Resume.pptx
+++ b/Surya Rekhapalli Resume.pptx
@@ -248,7 +248,7 @@
             <a:fld id="{86C988DC-9DE3-4390-97AB-D61B85DACE57}" type="datetimeFigureOut">
               <a:rPr lang="pt-PT" sz="900" smtClean="0"/>
               <a:pPr/>
-              <a:t>16/09/2022</a:t>
+              <a:t>25/07/2024</a:t>
             </a:fld>
             <a:endParaRPr lang="pt-PT" sz="900"/>
           </a:p>
@@ -427,7 +427,7 @@
             <a:fld id="{0835B8F7-DAC4-4931-8AED-4356A8B2FD64}" type="datetimeFigureOut">
               <a:rPr lang="pt-BR" smtClean="0"/>
               <a:pPr/>
-              <a:t>16/09/2022</a:t>
+              <a:t>25/07/2024</a:t>
             </a:fld>
             <a:endParaRPr lang="pt-BR"/>
           </a:p>
@@ -13001,7 +13001,7 @@
             <a:fld id="{425404F2-BE9A-4460-8815-8F645183555F}" type="datetimeFigureOut">
               <a:rPr lang="en-US" smtClean="0"/>
               <a:pPr/>
-              <a:t>9/16/2022</a:t>
+              <a:t>7/25/2024</a:t>
             </a:fld>
             <a:endParaRPr lang="en-US"/>
           </a:p>
@@ -17274,14 +17274,14 @@
           <p:nvPr>
             <p:extLst>
               <p:ext uri="{D42A27DB-BD31-4B8C-83A1-F6EECF244321}">
-                <p14:modId xmlns:p14="http://schemas.microsoft.com/office/powerpoint/2010/main" val="3709405552"/>
+                <p14:modId xmlns:p14="http://schemas.microsoft.com/office/powerpoint/2010/main" val="1837157450"/>
               </p:ext>
             </p:extLst>
           </p:nvPr>
         </p:nvGraphicFramePr>
         <p:xfrm>
-          <a:off x="9229514" y="1143001"/>
-          <a:ext cx="2962486" cy="4611370"/>
+          <a:off x="9229514" y="1219200"/>
+          <a:ext cx="2962486" cy="4612713"/>
         </p:xfrm>
         <a:graphic>
           <a:graphicData uri="http://schemas.openxmlformats.org/drawingml/2006/table">
@@ -17305,7 +17305,7 @@
                   </a:extLst>
                 </a:gridCol>
               </a:tblGrid>
-              <a:tr h="444183">
+              <a:tr h="370769">
                 <a:tc>
                   <a:txBody>
                     <a:bodyPr/>
@@ -17374,7 +17374,7 @@
                         <a:defRPr/>
                       </a:pPr>
                       <a:r>
-                        <a:rPr kumimoji="0" lang="en-US" sz="700" b="0" u="none" strike="noStrike" kern="1200" cap="none" spc="0" normalizeH="0" baseline="0" noProof="0" dirty="0">
+                        <a:rPr kumimoji="0" lang="en-US" sz="700" b="0" u="none" strike="noStrike" kern="1200" cap="none" spc="0" normalizeH="0" baseline="0" noProof="0">
                           <a:ln>
                             <a:noFill/>
                           </a:ln>
@@ -17387,7 +17387,7 @@
                     </a:p>
                     <a:p>
                       <a:r>
-                        <a:rPr kumimoji="0" lang="en-US" sz="700" b="0" u="none" strike="noStrike" kern="1200" cap="none" spc="0" normalizeH="0" baseline="0" dirty="0">
+                        <a:rPr kumimoji="0" lang="en-US" sz="700" b="0" u="none" strike="noStrike" kern="1200" cap="none" spc="0" normalizeH="0" baseline="0">
                           <a:ln>
                             <a:noFill/>
                           </a:ln>
@@ -17421,7 +17421,7 @@
                   </a:ext>
                 </a:extLst>
               </a:tr>
-              <a:tr h="325734">
+              <a:tr h="340287">
                 <a:tc>
                   <a:txBody>
                     <a:bodyPr/>
@@ -17479,7 +17479,7 @@
                     <a:lstStyle/>
                     <a:p>
                       <a:r>
-                        <a:rPr kumimoji="0" lang="en-US" sz="700" u="none" strike="noStrike" kern="1200" cap="none" spc="0" normalizeH="0" baseline="0" dirty="0">
+                        <a:rPr kumimoji="0" lang="en-US" sz="700" u="none" strike="noStrike" kern="1200" cap="none" spc="0" normalizeH="0" baseline="0">
                           <a:ln>
                             <a:noFill/>
                           </a:ln>
@@ -17513,7 +17513,7 @@
                   </a:ext>
                 </a:extLst>
               </a:tr>
-              <a:tr h="562631">
+              <a:tr h="566157">
                 <a:tc>
                   <a:txBody>
                     <a:bodyPr/>
@@ -17590,7 +17590,7 @@
                         <a:defRPr/>
                       </a:pPr>
                       <a:r>
-                        <a:rPr lang="en-US" sz="700" dirty="0"/>
+                        <a:rPr lang="en-US" sz="700"/>
                         <a:t>REST controllers, Implementation of GET, POST, PUT &amp; DELETE, Bean Validation &amp; Exception Handling, Testing Services, Controller &amp; Repository layer</a:t>
                       </a:r>
                       <a:endParaRPr lang="en-US" sz="700" dirty="0">
@@ -17608,7 +17608,7 @@
                   </a:ext>
                 </a:extLst>
               </a:tr>
-              <a:tr h="444183">
+              <a:tr h="446968">
                 <a:tc>
                   <a:txBody>
                     <a:bodyPr/>
@@ -17666,7 +17666,7 @@
                         <a:defRPr/>
                       </a:pPr>
                       <a:r>
-                        <a:rPr lang="en-US" sz="700" dirty="0"/>
+                        <a:rPr lang="en-US" sz="700"/>
                         <a:t>Implement DAO layer using spring Data repositories, Transaction Management</a:t>
                       </a:r>
                       <a:endParaRPr lang="en-US" sz="700" dirty="0">
@@ -17684,7 +17684,7 @@
                   </a:ext>
                 </a:extLst>
               </a:tr>
-              <a:tr h="562631">
+              <a:tr h="587768">
                 <a:tc>
                   <a:txBody>
                     <a:bodyPr/>
@@ -17725,7 +17725,7 @@
                     <a:lstStyle/>
                     <a:p>
                       <a:r>
-                        <a:rPr kumimoji="0" lang="en-US" sz="700" u="none" strike="noStrike" kern="1200" cap="none" spc="0" normalizeH="0" baseline="0" dirty="0">
+                        <a:rPr kumimoji="0" lang="en-US" sz="700" u="none" strike="noStrike" kern="1200" cap="none" spc="0" normalizeH="0" baseline="0">
                           <a:ln>
                             <a:noFill/>
                           </a:ln>
@@ -17759,7 +17759,7 @@
                   </a:ext>
                 </a:extLst>
               </a:tr>
-              <a:tr h="444183">
+              <a:tr h="446968">
                 <a:tc>
                   <a:txBody>
                     <a:bodyPr/>
@@ -17796,7 +17796,7 @@
                         <a:buNone/>
                       </a:pPr>
                       <a:r>
-                        <a:rPr kumimoji="0" lang="en-US" sz="700" u="none" strike="noStrike" kern="1200" cap="none" spc="0" normalizeH="0" baseline="0" dirty="0">
+                        <a:rPr kumimoji="0" lang="en-US" sz="700" u="none" strike="noStrike" kern="1200" cap="none" spc="0" normalizeH="0" baseline="0">
                           <a:ln>
                             <a:noFill/>
                           </a:ln>
@@ -17838,7 +17838,7 @@
                   </a:ext>
                 </a:extLst>
               </a:tr>
-              <a:tr h="327439">
+              <a:tr h="329491">
                 <a:tc>
                   <a:txBody>
                     <a:bodyPr/>
@@ -17875,7 +17875,7 @@
                         <a:buNone/>
                       </a:pPr>
                       <a:r>
-                        <a:rPr kumimoji="0" lang="en-US" sz="700" u="none" strike="noStrike" kern="1200" cap="none" spc="0" normalizeH="0" baseline="0" dirty="0">
+                        <a:rPr kumimoji="0" lang="en-US" sz="700" u="none" strike="noStrike" kern="1200" cap="none" spc="0" normalizeH="0" baseline="0">
                           <a:ln>
                             <a:noFill/>
                           </a:ln>
@@ -17915,7 +17915,7 @@
                   </a:ext>
                 </a:extLst>
               </a:tr>
-              <a:tr h="325734">
+              <a:tr h="327776">
                 <a:tc>
                   <a:txBody>
                     <a:bodyPr/>
@@ -17962,41 +17962,7 @@
                           <a:ea typeface="+mn-ea"/>
                           <a:cs typeface="+mn-cs"/>
                         </a:rPr>
-                        <a:t>MongoDB No </a:t>
-                      </a:r>
-                      <a:r>
-                        <a:rPr kumimoji="0" lang="en-US" sz="700" b="0" i="0" u="none" strike="noStrike" kern="1200" cap="none" spc="0" normalizeH="0" baseline="0" dirty="0" err="1">
-                          <a:ln>
-                            <a:noFill/>
-                          </a:ln>
-                          <a:solidFill>
-                            <a:prstClr val="black"/>
-                          </a:solidFill>
-                          <a:effectLst/>
-                          <a:uLnTx/>
-                          <a:uFillTx/>
-                          <a:latin typeface="Verdana" panose="020B0604030504040204" pitchFamily="34" charset="0"/>
-                          <a:ea typeface="+mn-ea"/>
-                          <a:cs typeface="+mn-cs"/>
-                        </a:rPr>
-                        <a:t>Sql</a:t>
-                      </a:r>
-                      <a:r>
-                        <a:rPr kumimoji="0" lang="en-US" sz="700" b="0" i="0" u="none" strike="noStrike" kern="1200" cap="none" spc="0" normalizeH="0" baseline="0" dirty="0">
-                          <a:ln>
-                            <a:noFill/>
-                          </a:ln>
-                          <a:solidFill>
-                            <a:prstClr val="black"/>
-                          </a:solidFill>
-                          <a:effectLst/>
-                          <a:uLnTx/>
-                          <a:uFillTx/>
-                          <a:latin typeface="Verdana" panose="020B0604030504040204" pitchFamily="34" charset="0"/>
-                          <a:ea typeface="+mn-ea"/>
-                          <a:cs typeface="+mn-cs"/>
-                        </a:rPr>
-                        <a:t> Basics</a:t>
+                        <a:t>MongoDB No SQL Basics</a:t>
                       </a:r>
                     </a:p>
                     <a:p>
@@ -18015,41 +17981,7 @@
                           <a:ea typeface="+mn-ea"/>
                           <a:cs typeface="+mn-cs"/>
                         </a:rPr>
-                        <a:t> </a:t>
-                      </a:r>
-                      <a:r>
-                        <a:rPr kumimoji="0" lang="en-US" sz="700" b="0" i="0" u="none" strike="noStrike" kern="1200" cap="none" spc="0" normalizeH="0" baseline="0" dirty="0" err="1">
-                          <a:ln>
-                            <a:noFill/>
-                          </a:ln>
-                          <a:solidFill>
-                            <a:prstClr val="black"/>
-                          </a:solidFill>
-                          <a:effectLst/>
-                          <a:uLnTx/>
-                          <a:uFillTx/>
-                          <a:latin typeface="Verdana" panose="020B0604030504040204" pitchFamily="34" charset="0"/>
-                          <a:ea typeface="+mn-ea"/>
-                          <a:cs typeface="+mn-cs"/>
-                        </a:rPr>
-                        <a:t>Postgre</a:t>
-                      </a:r>
-                      <a:r>
-                        <a:rPr kumimoji="0" lang="en-US" sz="700" b="0" i="0" u="none" strike="noStrike" kern="1200" cap="none" spc="0" normalizeH="0" baseline="0" dirty="0">
-                          <a:ln>
-                            <a:noFill/>
-                          </a:ln>
-                          <a:solidFill>
-                            <a:prstClr val="black"/>
-                          </a:solidFill>
-                          <a:effectLst/>
-                          <a:uLnTx/>
-                          <a:uFillTx/>
-                          <a:latin typeface="Verdana" panose="020B0604030504040204" pitchFamily="34" charset="0"/>
-                          <a:ea typeface="+mn-ea"/>
-                          <a:cs typeface="+mn-cs"/>
-                        </a:rPr>
-                        <a:t> SQL  Basics</a:t>
+                        <a:t> Postgres SQL  Basics ,MY SQL</a:t>
                       </a:r>
                     </a:p>
                   </a:txBody>
@@ -18061,7 +17993,7 @@
                   </a:ext>
                 </a:extLst>
               </a:tr>
-              <a:tr h="444183">
+              <a:tr h="446968">
                 <a:tc>
                   <a:txBody>
                     <a:bodyPr/>
@@ -18098,7 +18030,7 @@
                         <a:buNone/>
                       </a:pPr>
                       <a:r>
-                        <a:rPr kumimoji="0" lang="en-US" sz="700" u="none" strike="noStrike" kern="1200" cap="none" spc="0" normalizeH="0" baseline="0" dirty="0">
+                        <a:rPr kumimoji="0" lang="en-US" sz="700" u="none" strike="noStrike" kern="1200" cap="none" spc="0" normalizeH="0" baseline="0">
                           <a:ln>
                             <a:noFill/>
                           </a:ln>
@@ -18121,7 +18053,7 @@
                         <a:buNone/>
                       </a:pPr>
                       <a:r>
-                        <a:rPr kumimoji="0" lang="en-US" sz="700" u="none" strike="noStrike" kern="1200" cap="none" spc="0" normalizeH="0" baseline="0" dirty="0">
+                        <a:rPr kumimoji="0" lang="en-US" sz="700" u="none" strike="noStrike" kern="1200" cap="none" spc="0" normalizeH="0" baseline="0">
                           <a:ln>
                             <a:noFill/>
                           </a:ln>
@@ -18137,6 +18069,20 @@
                         </a:rPr>
                         <a:t>Reusable templates, Optimized UI Designed</a:t>
                       </a:r>
+                      <a:endParaRPr kumimoji="0" lang="en-US" sz="700" u="none" strike="noStrike" kern="1200" cap="none" spc="0" normalizeH="0" baseline="0" dirty="0">
+                        <a:ln>
+                          <a:noFill/>
+                        </a:ln>
+                        <a:solidFill>
+                          <a:schemeClr val="tx1"/>
+                        </a:solidFill>
+                        <a:effectLst/>
+                        <a:uLnTx/>
+                        <a:uFillTx/>
+                        <a:latin typeface="+mn-lt"/>
+                        <a:ea typeface="+mn-ea"/>
+                        <a:cs typeface="+mn-cs"/>
+                      </a:endParaRPr>
                     </a:p>
                   </a:txBody>
                   <a:tcPr/>
@@ -18147,7 +18093,7 @@
                   </a:ext>
                 </a:extLst>
               </a:tr>
-              <a:tr h="260251">
+              <a:tr h="261882">
                 <a:tc>
                   <a:txBody>
                     <a:bodyPr/>
@@ -18180,7 +18126,7 @@
                     <a:lstStyle/>
                     <a:p>
                       <a:r>
-                        <a:rPr kumimoji="0" lang="en-US" sz="700" b="0" i="0" u="none" strike="noStrike" kern="1200" cap="none" spc="0" normalizeH="0" baseline="0" dirty="0">
+                        <a:rPr kumimoji="0" lang="en-US" sz="700" b="0" i="0" u="none" strike="noStrike" kern="1200" cap="none" spc="0" normalizeH="0" baseline="0">
                           <a:ln>
                             <a:noFill/>
                           </a:ln>
@@ -18196,6 +18142,20 @@
                         </a:rPr>
                         <a:t>Git, Postman, Maven, IDE</a:t>
                       </a:r>
+                      <a:endParaRPr kumimoji="0" lang="en-US" sz="700" b="0" i="0" u="none" strike="noStrike" kern="1200" cap="none" spc="0" normalizeH="0" baseline="0" dirty="0">
+                        <a:ln>
+                          <a:noFill/>
+                        </a:ln>
+                        <a:solidFill>
+                          <a:prstClr val="black"/>
+                        </a:solidFill>
+                        <a:effectLst/>
+                        <a:uLnTx/>
+                        <a:uFillTx/>
+                        <a:latin typeface="Verdana" panose="020B0604030504040204" pitchFamily="34" charset="0"/>
+                        <a:ea typeface="+mn-ea"/>
+                        <a:cs typeface="+mn-cs"/>
+                      </a:endParaRPr>
                     </a:p>
                   </a:txBody>
                   <a:tcPr/>
@@ -18206,7 +18166,7 @@
                   </a:ext>
                 </a:extLst>
               </a:tr>
-              <a:tr h="444183">
+              <a:tr h="446968">
                 <a:tc>
                   <a:txBody>
                     <a:bodyPr/>
@@ -18287,75 +18247,110 @@
         </p:nvSpPr>
         <p:spPr>
           <a:xfrm>
-            <a:off x="4787901" y="4792332"/>
-            <a:ext cx="4057649" cy="1379868"/>
+            <a:off x="4696689" y="3848906"/>
+            <a:ext cx="4510897" cy="906788"/>
           </a:xfrm>
         </p:spPr>
         <p:txBody>
           <a:bodyPr/>
           <a:lstStyle/>
           <a:p>
-            <a:pPr>
+            <a:pPr marL="0" lvl="0" indent="0" algn="l" rtl="0">
               <a:lnSpc>
-                <a:spcPct val="107000"/>
+                <a:spcPct val="150000"/>
               </a:lnSpc>
+              <a:spcBef>
+                <a:spcPts val="0"/>
+              </a:spcBef>
               <a:spcAft>
-                <a:spcPts val="800"/>
+                <a:spcPts val="0"/>
               </a:spcAft>
+              <a:buClr>
+                <a:schemeClr val="dk1"/>
+              </a:buClr>
+              <a:buSzPts val="1000"/>
+              <a:buNone/>
             </a:pPr>
             <a:r>
-              <a:rPr lang="en-US" sz="1400" b="1" dirty="0">
-                <a:solidFill>
-                  <a:srgbClr val="000000"/>
-                </a:solidFill>
-                <a:effectLst/>
-                <a:ea typeface="Verdana" panose="020B0604030504040204" pitchFamily="34" charset="0"/>
-                <a:cs typeface="Verdana" panose="020B0604030504040204" pitchFamily="34" charset="0"/>
+              <a:rPr lang="en-US" sz="1400" b="1" dirty="0"/>
+              <a:t>Movie Booking System</a:t>
+            </a:r>
+          </a:p>
+          <a:p>
+            <a:pPr marL="0" lvl="0" indent="0" algn="l" rtl="0">
+              <a:lnSpc>
+                <a:spcPct val="150000"/>
+              </a:lnSpc>
+              <a:spcBef>
+                <a:spcPts val="0"/>
+              </a:spcBef>
+              <a:spcAft>
+                <a:spcPts val="0"/>
+              </a:spcAft>
+              <a:buClr>
+                <a:schemeClr val="dk1"/>
+              </a:buClr>
+              <a:buSzPts val="1000"/>
+              <a:buNone/>
+            </a:pPr>
+            <a:r>
+              <a:rPr lang="en-US" dirty="0">
+                <a:latin typeface="+mn-lt"/>
               </a:rPr>
-              <a:t>Movie Booking System</a:t>
-            </a:r>
-            <a:endParaRPr lang="en-IN" sz="1400" dirty="0">
-              <a:solidFill>
-                <a:srgbClr val="000000"/>
-              </a:solidFill>
-              <a:effectLst/>
-              <a:ea typeface="Calibri" panose="020F0502020204030204" pitchFamily="34" charset="0"/>
-            </a:endParaRPr>
-          </a:p>
-          <a:p>
-            <a:pPr eaLnBrk="1" hangingPunct="1">
+              <a:t>Completed end to end case study of Moving Booking Application along with  testing, responsive UI with HTML ,CSS and React is used for user interface.</a:t>
+            </a:r>
+          </a:p>
+          <a:p>
+            <a:pPr marL="0" lvl="0" indent="0" algn="l" rtl="0">
+              <a:lnSpc>
+                <a:spcPct val="150000"/>
+              </a:lnSpc>
+              <a:spcBef>
+                <a:spcPts val="0"/>
+              </a:spcBef>
+              <a:spcAft>
+                <a:spcPts val="0"/>
+              </a:spcAft>
+              <a:buClr>
+                <a:schemeClr val="dk1"/>
+              </a:buClr>
+              <a:buSzPts val="1000"/>
+              <a:buNone/>
+            </a:pPr>
+            <a:r>
+              <a:rPr lang="en-US" sz="1400" b="1" dirty="0"/>
+              <a:t>Sustainability Gamification</a:t>
+            </a:r>
+          </a:p>
+          <a:p>
+            <a:pPr marL="0" lvl="0" indent="0" algn="l" rtl="0">
+              <a:lnSpc>
+                <a:spcPct val="150000"/>
+              </a:lnSpc>
+              <a:spcBef>
+                <a:spcPts val="0"/>
+              </a:spcBef>
+              <a:spcAft>
+                <a:spcPts val="0"/>
+              </a:spcAft>
+              <a:buClr>
+                <a:schemeClr val="dk1"/>
+              </a:buClr>
+              <a:buSzPts val="1000"/>
+              <a:buNone/>
+            </a:pPr>
+            <a:r>
+              <a:rPr lang="en-US" dirty="0"/>
+              <a:t>Completed an Internal project under CTO, done with an End-to-End application and build the application successfully using Spring Boot ,Angular, MySQL &amp; used git for code base and SonarQube for code quality checking  </a:t>
+            </a:r>
+          </a:p>
+          <a:p>
+            <a:pPr algn="just" eaLnBrk="1" hangingPunct="1">
               <a:lnSpc>
                 <a:spcPct val="114000"/>
               </a:lnSpc>
             </a:pPr>
-            <a:r>
-              <a:rPr lang="en-IN" altLang="en-US" dirty="0"/>
-              <a:t>Completed end to end case study of Moving Booking Application along with  testing, responsive UI with </a:t>
-            </a:r>
-            <a:r>
-              <a:rPr lang="en-US" altLang="en-US" dirty="0"/>
-              <a:t>HTML ,CSS and React </a:t>
-            </a:r>
-            <a:r>
-              <a:rPr lang="en-US" altLang="en-US" dirty="0" err="1"/>
-              <a:t>js</a:t>
-            </a:r>
-            <a:r>
-              <a:rPr lang="en-US" altLang="en-US" dirty="0"/>
-              <a:t> used for user interface.</a:t>
-            </a:r>
             <a:endParaRPr lang="en-IN" altLang="nl-NL" b="1" dirty="0"/>
-          </a:p>
-          <a:p>
-            <a:pPr eaLnBrk="1" hangingPunct="1">
-              <a:lnSpc>
-                <a:spcPct val="114000"/>
-              </a:lnSpc>
-            </a:pPr>
-            <a:r>
-              <a:rPr lang="en-IN" altLang="nl-NL" b="1" dirty="0"/>
-              <a:t> </a:t>
-            </a:r>
           </a:p>
           <a:p>
             <a:pPr eaLnBrk="1" hangingPunct="1">
@@ -18366,7 +18361,7 @@
             <a:endParaRPr lang="en-IN" altLang="en-US" dirty="0"/>
           </a:p>
           <a:p>
-            <a:pPr eaLnBrk="1" hangingPunct="1">
+            <a:pPr algn="just" eaLnBrk="1" hangingPunct="1">
               <a:lnSpc>
                 <a:spcPct val="114000"/>
               </a:lnSpc>
@@ -18374,7 +18369,7 @@
             <a:endParaRPr lang="en-US" altLang="nl-NL" b="1" dirty="0"/>
           </a:p>
           <a:p>
-            <a:pPr eaLnBrk="1" hangingPunct="1">
+            <a:pPr algn="just" eaLnBrk="1" hangingPunct="1">
               <a:lnSpc>
                 <a:spcPct val="114000"/>
               </a:lnSpc>
@@ -18382,7 +18377,7 @@
             <a:endParaRPr lang="en-IN" altLang="en-US" dirty="0"/>
           </a:p>
           <a:p>
-            <a:pPr eaLnBrk="1" hangingPunct="1">
+            <a:pPr algn="just" eaLnBrk="1" hangingPunct="1">
               <a:lnSpc>
                 <a:spcPct val="114000"/>
               </a:lnSpc>
@@ -18390,7 +18385,7 @@
             <a:endParaRPr lang="en-IN" altLang="en-US" dirty="0"/>
           </a:p>
           <a:p>
-            <a:pPr eaLnBrk="1" hangingPunct="1">
+            <a:pPr algn="just" eaLnBrk="1" hangingPunct="1">
               <a:lnSpc>
                 <a:spcPct val="114000"/>
               </a:lnSpc>
@@ -18398,7 +18393,7 @@
             <a:endParaRPr lang="en-IN" altLang="en-US" dirty="0"/>
           </a:p>
           <a:p>
-            <a:pPr eaLnBrk="1" hangingPunct="1">
+            <a:pPr algn="just" eaLnBrk="1" hangingPunct="1">
               <a:lnSpc>
                 <a:spcPct val="114000"/>
               </a:lnSpc>
@@ -18406,7 +18401,7 @@
             <a:endParaRPr lang="en-IN" altLang="en-US" dirty="0"/>
           </a:p>
           <a:p>
-            <a:pPr eaLnBrk="1" hangingPunct="1">
+            <a:pPr algn="just" eaLnBrk="1" hangingPunct="1">
               <a:lnSpc>
                 <a:spcPct val="114000"/>
               </a:lnSpc>
@@ -18414,7 +18409,7 @@
             <a:endParaRPr lang="en-IN" altLang="en-US" dirty="0"/>
           </a:p>
           <a:p>
-            <a:pPr eaLnBrk="1" hangingPunct="1">
+            <a:pPr algn="just" eaLnBrk="1" hangingPunct="1">
               <a:lnSpc>
                 <a:spcPct val="114000"/>
               </a:lnSpc>
@@ -18422,7 +18417,7 @@
             <a:endParaRPr lang="en-IN" altLang="en-US" dirty="0"/>
           </a:p>
           <a:p>
-            <a:pPr eaLnBrk="1" hangingPunct="1">
+            <a:pPr algn="just" eaLnBrk="1" hangingPunct="1">
               <a:lnSpc>
                 <a:spcPct val="114000"/>
               </a:lnSpc>
@@ -18430,7 +18425,7 @@
             <a:endParaRPr lang="en-IN" altLang="en-US" dirty="0"/>
           </a:p>
           <a:p>
-            <a:pPr eaLnBrk="1" hangingPunct="1">
+            <a:pPr algn="just" eaLnBrk="1" hangingPunct="1">
               <a:lnSpc>
                 <a:spcPct val="114000"/>
               </a:lnSpc>
@@ -18438,7 +18433,7 @@
             <a:endParaRPr lang="en-IN" altLang="en-US" dirty="0"/>
           </a:p>
           <a:p>
-            <a:pPr eaLnBrk="1" hangingPunct="1">
+            <a:pPr algn="just" eaLnBrk="1" hangingPunct="1">
               <a:lnSpc>
                 <a:spcPct val="114000"/>
               </a:lnSpc>
@@ -18446,7 +18441,7 @@
             <a:endParaRPr lang="en-IN" altLang="en-US" dirty="0"/>
           </a:p>
           <a:p>
-            <a:pPr eaLnBrk="1" hangingPunct="1">
+            <a:pPr algn="just" eaLnBrk="1" hangingPunct="1">
               <a:lnSpc>
                 <a:spcPct val="114000"/>
               </a:lnSpc>
@@ -18454,7 +18449,7 @@
             <a:endParaRPr lang="en-IN" altLang="en-US" dirty="0"/>
           </a:p>
           <a:p>
-            <a:pPr eaLnBrk="1" hangingPunct="1">
+            <a:pPr algn="just" eaLnBrk="1" hangingPunct="1">
               <a:lnSpc>
                 <a:spcPct val="114000"/>
               </a:lnSpc>
@@ -18462,7 +18457,7 @@
             <a:endParaRPr lang="en-IN" altLang="en-US" dirty="0"/>
           </a:p>
           <a:p>
-            <a:pPr eaLnBrk="1" hangingPunct="1">
+            <a:pPr algn="just" eaLnBrk="1" hangingPunct="1">
               <a:lnSpc>
                 <a:spcPct val="114000"/>
               </a:lnSpc>
@@ -18470,7 +18465,7 @@
             <a:endParaRPr lang="en-US" altLang="nl-NL" b="1" dirty="0"/>
           </a:p>
           <a:p>
-            <a:pPr eaLnBrk="1" hangingPunct="1">
+            <a:pPr algn="just" eaLnBrk="1" hangingPunct="1">
               <a:lnSpc>
                 <a:spcPct val="114000"/>
               </a:lnSpc>
@@ -18503,8 +18498,8 @@
         </p:nvSpPr>
         <p:spPr>
           <a:xfrm>
-            <a:off x="2468563" y="831103"/>
-            <a:ext cx="2560637" cy="441980"/>
+            <a:off x="2401762" y="770543"/>
+            <a:ext cx="2743200" cy="295275"/>
           </a:xfrm>
         </p:spPr>
         <p:txBody>
@@ -18603,8 +18598,8 @@
         </p:nvSpPr>
         <p:spPr>
           <a:xfrm>
-            <a:off x="3273425" y="1511300"/>
-            <a:ext cx="2373313" cy="325438"/>
+            <a:off x="3192614" y="1604920"/>
+            <a:ext cx="4473456" cy="226480"/>
           </a:xfrm>
         </p:spPr>
         <p:txBody>
@@ -18613,14 +18608,8 @@
           <a:p>
             <a:pPr eaLnBrk="1" hangingPunct="1"/>
             <a:r>
-              <a:rPr lang="nl-NL" altLang="nl-NL" dirty="0">
-                <a:hlinkClick r:id="rId3"/>
-              </a:rPr>
-              <a:t>xxxxxxxxxxx@capgemini.com</a:t>
-            </a:r>
-            <a:r>
               <a:rPr lang="nl-NL" altLang="nl-NL" dirty="0"/>
-              <a:t> </a:t>
+              <a:t>rekhapalli-surya-satya-sai.manikanta@capgemini.com </a:t>
             </a:r>
           </a:p>
         </p:txBody>
@@ -18677,8 +18666,8 @@
         </p:nvSpPr>
         <p:spPr>
           <a:xfrm>
-            <a:off x="438150" y="3276600"/>
-            <a:ext cx="4057650" cy="1905000"/>
+            <a:off x="514350" y="3090201"/>
+            <a:ext cx="3946596" cy="1598901"/>
           </a:xfrm>
         </p:spPr>
         <p:txBody>
@@ -18708,12 +18697,8 @@
               <a:t> with </a:t>
             </a:r>
             <a:r>
-              <a:rPr lang="en-US" b="1" dirty="0" err="1"/>
-              <a:t>Springboot</a:t>
-            </a:r>
-            <a:r>
               <a:rPr lang="en-US" b="1" dirty="0"/>
-              <a:t>, Spring Security, Spring Cloud API Gateway,</a:t>
+              <a:t>Spring Boot, Spring Security, Spring Cloud API Gateway,</a:t>
             </a:r>
             <a:r>
               <a:rPr lang="en-US" dirty="0"/>
@@ -18777,8 +18762,8 @@
               <a:t>with </a:t>
             </a:r>
             <a:r>
-              <a:rPr lang="en-US" b="1" dirty="0" err="1"/>
-              <a:t>NodeJs</a:t>
+              <a:rPr lang="en-US" b="1" dirty="0"/>
+              <a:t>NodeJS</a:t>
             </a:r>
             <a:r>
               <a:rPr lang="en-US" dirty="0"/>
@@ -18804,11 +18789,7 @@
             </a:r>
             <a:r>
               <a:rPr lang="en-US" b="1" dirty="0"/>
-              <a:t>unit testing using Junit, </a:t>
-            </a:r>
-            <a:r>
-              <a:rPr lang="en-US" b="1" dirty="0" err="1"/>
-              <a:t>Mockit</a:t>
+              <a:t>unit testing using Junit, Mockito</a:t>
             </a:r>
             <a:endParaRPr lang="en-US" dirty="0"/>
           </a:p>
@@ -18838,7 +18819,7 @@
         </p:nvSpPr>
         <p:spPr>
           <a:xfrm>
-            <a:off x="2343150" y="462389"/>
+            <a:off x="2401763" y="468230"/>
             <a:ext cx="6005798" cy="350506"/>
           </a:xfrm>
         </p:spPr>
@@ -18864,31 +18845,7 @@
                 <a:ea typeface="Verdana" panose="020B0604030504040204" pitchFamily="34" charset="0"/>
                 <a:cs typeface="Verdana" panose="020B0604030504040204" pitchFamily="34" charset="0"/>
               </a:rPr>
-              <a:t>Surya Satya Sai </a:t>
-            </a:r>
-            <a:r>
-              <a:rPr lang="en-US" sz="2000" b="1" dirty="0" err="1">
-                <a:solidFill>
-                  <a:srgbClr val="FFFFFF"/>
-                </a:solidFill>
-                <a:effectLst/>
-                <a:latin typeface="Arial Black" panose="020B0A04020102020204" pitchFamily="34" charset="0"/>
-                <a:ea typeface="Verdana" panose="020B0604030504040204" pitchFamily="34" charset="0"/>
-                <a:cs typeface="Verdana" panose="020B0604030504040204" pitchFamily="34" charset="0"/>
-              </a:rPr>
-              <a:t>Manikanta</a:t>
-            </a:r>
-            <a:r>
-              <a:rPr lang="en-US" sz="2000" b="1" dirty="0">
-                <a:solidFill>
-                  <a:srgbClr val="FFFFFF"/>
-                </a:solidFill>
-                <a:effectLst/>
-                <a:latin typeface="Arial Black" panose="020B0A04020102020204" pitchFamily="34" charset="0"/>
-                <a:ea typeface="Verdana" panose="020B0604030504040204" pitchFamily="34" charset="0"/>
-                <a:cs typeface="Verdana" panose="020B0604030504040204" pitchFamily="34" charset="0"/>
-              </a:rPr>
-              <a:t> Rekhapalli </a:t>
+              <a:t>Surya Satya Sai Manikanta Rekhapalli </a:t>
             </a:r>
             <a:endParaRPr lang="en-IN" sz="2000" dirty="0">
               <a:solidFill>
@@ -18907,7 +18864,7 @@
       <p:pic>
         <p:nvPicPr>
           <p:cNvPr id="7179" name="Picture 7">
-            <a:hlinkClick r:id="rId4"/>
+            <a:hlinkClick r:id="rId3"/>
             <a:extLst>
               <a:ext uri="{FF2B5EF4-FFF2-40B4-BE49-F238E27FC236}">
                 <a16:creationId xmlns:a16="http://schemas.microsoft.com/office/drawing/2014/main" id="{12618B16-99B6-4F89-A145-C5939A93831F}"/>
@@ -18920,7 +18877,7 @@
           <p:nvPr/>
         </p:nvPicPr>
         <p:blipFill>
-          <a:blip r:embed="rId5">
+          <a:blip r:embed="rId4">
             <a:extLst>
               <a:ext uri="{28A0092B-C50C-407E-A947-70E740481C1C}">
                 <a14:useLocalDpi xmlns:a14="http://schemas.microsoft.com/office/drawing/2010/main" val="0"/>
@@ -19154,7 +19111,7 @@
       <p:pic>
         <p:nvPicPr>
           <p:cNvPr id="7181" name="Picture 6" descr="Movie, play, video icon">
-            <a:hlinkClick r:id="rId6" action="ppaction://hlinkfile"/>
+            <a:hlinkClick r:id="rId5" action="ppaction://hlinkfile"/>
             <a:extLst>
               <a:ext uri="{FF2B5EF4-FFF2-40B4-BE49-F238E27FC236}">
                 <a16:creationId xmlns:a16="http://schemas.microsoft.com/office/drawing/2014/main" id="{568E79A1-196A-4599-9F1F-AD39B99F1222}"/>
@@ -19167,7 +19124,7 @@
           <p:nvPr/>
         </p:nvPicPr>
         <p:blipFill>
-          <a:blip r:embed="rId7">
+          <a:blip r:embed="rId6">
             <a:extLst>
               <a:ext uri="{28A0092B-C50C-407E-A947-70E740481C1C}">
                 <a14:useLocalDpi xmlns:a14="http://schemas.microsoft.com/office/drawing/2010/main" val="0"/>
@@ -19227,7 +19184,7 @@
           <p:nvPr/>
         </p:nvPicPr>
         <p:blipFill>
-          <a:blip r:embed="rId8">
+          <a:blip r:embed="rId7">
             <a:extLst>
               <a:ext uri="{28A0092B-C50C-407E-A947-70E740481C1C}">
                 <a14:useLocalDpi xmlns:a14="http://schemas.microsoft.com/office/drawing/2010/main" val="0"/>
@@ -19538,8 +19495,8 @@
         </p:nvSpPr>
         <p:spPr>
           <a:xfrm>
-            <a:off x="9242030" y="547041"/>
-            <a:ext cx="3559570" cy="425950"/>
+            <a:off x="9156404" y="536789"/>
+            <a:ext cx="3075514" cy="425950"/>
           </a:xfrm>
           <a:prstGeom prst="rect">
             <a:avLst/>
@@ -19551,7 +19508,7 @@
           </a:bodyPr>
           <a:lstStyle/>
           <a:p>
-            <a:pPr marL="0" marR="0" lvl="0" indent="0" algn="l" defTabSz="914400" rtl="0" eaLnBrk="1" fontAlgn="auto" latinLnBrk="0" hangingPunct="1">
+            <a:pPr marL="0" marR="0" lvl="0" indent="0" algn="ctr" defTabSz="914400" rtl="0" eaLnBrk="1" fontAlgn="auto" latinLnBrk="0" hangingPunct="1">
               <a:lnSpc>
                 <a:spcPct val="114000"/>
               </a:lnSpc>
@@ -19756,6 +19713,13 @@
             <a:ext cx="1622319" cy="1698625"/>
           </a:xfrm>
         </p:spPr>
+        <p:txBody>
+          <a:bodyPr/>
+          <a:lstStyle/>
+          <a:p>
+            <a:endParaRPr lang="en-IN"/>
+          </a:p>
+        </p:txBody>
       </p:sp>
       <p:pic>
         <p:nvPicPr>
@@ -19769,20 +19733,20 @@
           <p:cNvPicPr preferRelativeResize="0"/>
           <p:nvPr/>
         </p:nvPicPr>
-        <p:blipFill rotWithShape="1">
-          <a:blip r:embed="rId9">
+        <p:blipFill>
+          <a:blip r:embed="rId8">
             <a:extLst>
               <a:ext uri="{28A0092B-C50C-407E-A947-70E740481C1C}">
                 <a14:useLocalDpi xmlns:a14="http://schemas.microsoft.com/office/drawing/2010/main" val="0"/>
               </a:ext>
             </a:extLst>
           </a:blip>
-          <a:srcRect l="-197" t="4861" r="1637" b="14873"/>
+          <a:srcRect t="11646" b="11646"/>
           <a:stretch/>
         </p:blipFill>
         <p:spPr>
           <a:xfrm>
-            <a:off x="311627" y="253622"/>
+            <a:off x="319388" y="256509"/>
             <a:ext cx="1750059" cy="1725991"/>
           </a:xfrm>
           <a:prstGeom prst="ellipse">
@@ -19808,7 +19772,7 @@
         </p:nvSpPr>
         <p:spPr>
           <a:xfrm>
-            <a:off x="4675945" y="3438717"/>
+            <a:off x="4637633" y="3027449"/>
             <a:ext cx="6056528" cy="313804"/>
           </a:xfrm>
           <a:prstGeom prst="rect">
@@ -19862,8 +19826,8 @@
         </p:nvSpPr>
         <p:spPr>
           <a:xfrm>
-            <a:off x="4718617" y="3852305"/>
-            <a:ext cx="3736407" cy="906787"/>
+            <a:off x="4637632" y="3289422"/>
+            <a:ext cx="4510897" cy="577466"/>
           </a:xfrm>
           <a:prstGeom prst="rect">
             <a:avLst/>
@@ -19894,31 +19858,7 @@
                 <a:ea typeface="Verdana" panose="020B0604030504040204" pitchFamily="34" charset="0"/>
                 <a:cs typeface="Verdana" panose="020B0604030504040204" pitchFamily="34" charset="0"/>
               </a:rPr>
-              <a:t>Completed end to end case study of Hotel Management application along with JWT authentication, Swagger and Payment testing, responsive UI with HTML, CSS and React </a:t>
-            </a:r>
-            <a:r>
-              <a:rPr lang="en-US" sz="1000" dirty="0" err="1">
-                <a:solidFill>
-                  <a:srgbClr val="000000"/>
-                </a:solidFill>
-                <a:effectLst/>
-                <a:latin typeface="Verdana" panose="020B0604030504040204" pitchFamily="34" charset="0"/>
-                <a:ea typeface="Verdana" panose="020B0604030504040204" pitchFamily="34" charset="0"/>
-                <a:cs typeface="Verdana" panose="020B0604030504040204" pitchFamily="34" charset="0"/>
-              </a:rPr>
-              <a:t>js</a:t>
-            </a:r>
-            <a:r>
-              <a:rPr lang="en-US" sz="1000" dirty="0">
-                <a:solidFill>
-                  <a:srgbClr val="000000"/>
-                </a:solidFill>
-                <a:effectLst/>
-                <a:latin typeface="Verdana" panose="020B0604030504040204" pitchFamily="34" charset="0"/>
-                <a:ea typeface="Verdana" panose="020B0604030504040204" pitchFamily="34" charset="0"/>
-                <a:cs typeface="Verdana" panose="020B0604030504040204" pitchFamily="34" charset="0"/>
-              </a:rPr>
-              <a:t> used for user interface.</a:t>
+              <a:t>Completed end to end case study of Hotel Management application along with JWT authentication, Swagger and Payment testing, responsive UI with HTML, CSS and ReactJS used for user interface.</a:t>
             </a:r>
             <a:endParaRPr lang="en-IN" sz="1000" dirty="0">
               <a:solidFill>
@@ -19928,6 +19868,267 @@
               <a:latin typeface="Calibri" panose="020F0502020204030204" pitchFamily="34" charset="0"/>
               <a:ea typeface="Calibri" panose="020F0502020204030204" pitchFamily="34" charset="0"/>
             </a:endParaRPr>
+          </a:p>
+        </p:txBody>
+      </p:sp>
+      <p:pic>
+        <p:nvPicPr>
+          <p:cNvPr id="10" name="Picture 9">
+            <a:extLst>
+              <a:ext uri="{FF2B5EF4-FFF2-40B4-BE49-F238E27FC236}">
+                <a16:creationId xmlns:a16="http://schemas.microsoft.com/office/drawing/2014/main" id="{82C43347-933B-C0B7-C9A1-18F71C8F6FC0}"/>
+              </a:ext>
+            </a:extLst>
+          </p:cNvPr>
+          <p:cNvPicPr>
+            <a:picLocks noChangeAspect="1"/>
+          </p:cNvPicPr>
+          <p:nvPr/>
+        </p:nvPicPr>
+        <p:blipFill rotWithShape="1">
+          <a:blip r:embed="rId9">
+            <a:extLst>
+              <a:ext uri="{837473B0-CC2E-450A-ABE3-18F120FF3D39}">
+                <a1611:picAttrSrcUrl xmlns:a1611="http://schemas.microsoft.com/office/drawing/2016/11/main" r:id="rId10"/>
+              </a:ext>
+            </a:extLst>
+          </a:blip>
+          <a:srcRect l="25452" t="15571" r="28004" b="-1"/>
+          <a:stretch/>
+        </p:blipFill>
+        <p:spPr>
+          <a:xfrm>
+            <a:off x="228599" y="5576492"/>
+            <a:ext cx="356243" cy="484656"/>
+          </a:xfrm>
+          <a:prstGeom prst="rect">
+            <a:avLst/>
+          </a:prstGeom>
+        </p:spPr>
+      </p:pic>
+      <p:sp>
+        <p:nvSpPr>
+          <p:cNvPr id="12" name="TextBox 11">
+            <a:extLst>
+              <a:ext uri="{FF2B5EF4-FFF2-40B4-BE49-F238E27FC236}">
+                <a16:creationId xmlns:a16="http://schemas.microsoft.com/office/drawing/2014/main" id="{CBC813C2-C82C-D537-B008-BA891F3FC578}"/>
+              </a:ext>
+            </a:extLst>
+          </p:cNvPr>
+          <p:cNvSpPr txBox="1"/>
+          <p:nvPr/>
+        </p:nvSpPr>
+        <p:spPr>
+          <a:xfrm>
+            <a:off x="597129" y="5600482"/>
+            <a:ext cx="1551157" cy="307777"/>
+          </a:xfrm>
+          <a:prstGeom prst="rect">
+            <a:avLst/>
+          </a:prstGeom>
+          <a:noFill/>
+        </p:spPr>
+        <p:txBody>
+          <a:bodyPr wrap="square">
+            <a:spAutoFit/>
+          </a:bodyPr>
+          <a:lstStyle/>
+          <a:p>
+            <a:r>
+              <a:rPr lang="en-IN" sz="1400" b="1" dirty="0">
+                <a:solidFill>
+                  <a:schemeClr val="accent1"/>
+                </a:solidFill>
+                <a:latin typeface="Times New Roman" panose="02020603050405020304" pitchFamily="18" charset="0"/>
+                <a:cs typeface="Times New Roman" panose="02020603050405020304" pitchFamily="18" charset="0"/>
+              </a:rPr>
+              <a:t>Certifications</a:t>
+            </a:r>
+            <a:endParaRPr lang="en-IN" sz="1400" dirty="0"/>
+          </a:p>
+        </p:txBody>
+      </p:sp>
+      <p:sp>
+        <p:nvSpPr>
+          <p:cNvPr id="14" name="TextBox 13">
+            <a:extLst>
+              <a:ext uri="{FF2B5EF4-FFF2-40B4-BE49-F238E27FC236}">
+                <a16:creationId xmlns:a16="http://schemas.microsoft.com/office/drawing/2014/main" id="{F36AF7BE-1ECB-CBAB-CBFA-92BB281E1C4B}"/>
+              </a:ext>
+            </a:extLst>
+          </p:cNvPr>
+          <p:cNvSpPr txBox="1"/>
+          <p:nvPr/>
+        </p:nvSpPr>
+        <p:spPr>
+          <a:xfrm>
+            <a:off x="514350" y="5928655"/>
+            <a:ext cx="3368815" cy="784830"/>
+          </a:xfrm>
+          <a:prstGeom prst="rect">
+            <a:avLst/>
+          </a:prstGeom>
+          <a:noFill/>
+        </p:spPr>
+        <p:txBody>
+          <a:bodyPr wrap="square">
+            <a:spAutoFit/>
+          </a:bodyPr>
+          <a:lstStyle/>
+          <a:p>
+            <a:pPr marL="342900" lvl="0" indent="-342900" algn="l">
+              <a:buFont typeface="+mj-lt"/>
+              <a:buAutoNum type="arabicPeriod"/>
+              <a:tabLst>
+                <a:tab pos="114300" algn="l"/>
+                <a:tab pos="171450" algn="l"/>
+              </a:tabLst>
+            </a:pPr>
+            <a:r>
+              <a:rPr lang="en-US" sz="900" dirty="0">
+                <a:effectLst/>
+                <a:latin typeface="Arial" panose="020B0604020202020204" pitchFamily="34" charset="0"/>
+                <a:ea typeface="MS Mincho" panose="02020609040205080304" pitchFamily="49" charset="-128"/>
+              </a:rPr>
+              <a:t>AWS Cloud Practitioner Certificate</a:t>
+            </a:r>
+            <a:endParaRPr lang="en-IN" sz="900" dirty="0">
+              <a:effectLst/>
+              <a:latin typeface="Arial" panose="020B0604020202020204" pitchFamily="34" charset="0"/>
+              <a:ea typeface="MS Mincho" panose="02020609040205080304" pitchFamily="49" charset="-128"/>
+            </a:endParaRPr>
+          </a:p>
+          <a:p>
+            <a:pPr marL="342900" lvl="0" indent="-342900" algn="l">
+              <a:buFont typeface="+mj-lt"/>
+              <a:buAutoNum type="arabicPeriod"/>
+              <a:tabLst>
+                <a:tab pos="114300" algn="l"/>
+                <a:tab pos="171450" algn="l"/>
+              </a:tabLst>
+            </a:pPr>
+            <a:r>
+              <a:rPr lang="en-US" sz="900" dirty="0">
+                <a:effectLst/>
+                <a:latin typeface="Arial" panose="020B0604020202020204" pitchFamily="34" charset="0"/>
+                <a:ea typeface="MS Mincho" panose="02020609040205080304" pitchFamily="49" charset="-128"/>
+              </a:rPr>
+              <a:t>Microsoft Technology Associate HTML5 Certified</a:t>
+            </a:r>
+            <a:endParaRPr lang="en-IN" sz="900" dirty="0">
+              <a:effectLst/>
+              <a:latin typeface="Arial" panose="020B0604020202020204" pitchFamily="34" charset="0"/>
+              <a:ea typeface="MS Mincho" panose="02020609040205080304" pitchFamily="49" charset="-128"/>
+            </a:endParaRPr>
+          </a:p>
+          <a:p>
+            <a:pPr marL="342900" lvl="0" indent="-342900" algn="l">
+              <a:buFont typeface="+mj-lt"/>
+              <a:buAutoNum type="arabicPeriod"/>
+              <a:tabLst>
+                <a:tab pos="114300" algn="l"/>
+                <a:tab pos="171450" algn="l"/>
+              </a:tabLst>
+            </a:pPr>
+            <a:r>
+              <a:rPr lang="en-US" sz="900" dirty="0">
+                <a:effectLst/>
+                <a:latin typeface="Arial" panose="020B0604020202020204" pitchFamily="34" charset="0"/>
+                <a:ea typeface="MS Mincho" panose="02020609040205080304" pitchFamily="49" charset="-128"/>
+              </a:rPr>
+              <a:t>Google Cloud leader Certificate</a:t>
+            </a:r>
+            <a:endParaRPr lang="en-IN" sz="900" dirty="0">
+              <a:effectLst/>
+              <a:latin typeface="Arial" panose="020B0604020202020204" pitchFamily="34" charset="0"/>
+              <a:ea typeface="MS Mincho" panose="02020609040205080304" pitchFamily="49" charset="-128"/>
+            </a:endParaRPr>
+          </a:p>
+          <a:p>
+            <a:pPr marL="342900" lvl="0" indent="-342900" algn="l">
+              <a:buFont typeface="+mj-lt"/>
+              <a:buAutoNum type="arabicPeriod"/>
+              <a:tabLst>
+                <a:tab pos="114300" algn="l"/>
+                <a:tab pos="171450" algn="l"/>
+              </a:tabLst>
+            </a:pPr>
+            <a:r>
+              <a:rPr lang="en-US" sz="900" dirty="0">
+                <a:effectLst/>
+                <a:latin typeface="Arial" panose="020B0604020202020204" pitchFamily="34" charset="0"/>
+                <a:ea typeface="MS Mincho" panose="02020609040205080304" pitchFamily="49" charset="-128"/>
+              </a:rPr>
+              <a:t>Microsoft Azure Fundamentals Certificate.</a:t>
+            </a:r>
+            <a:endParaRPr lang="en-IN" sz="900" dirty="0">
+              <a:effectLst/>
+              <a:latin typeface="Arial" panose="020B0604020202020204" pitchFamily="34" charset="0"/>
+              <a:ea typeface="MS Mincho" panose="02020609040205080304" pitchFamily="49" charset="-128"/>
+            </a:endParaRPr>
+          </a:p>
+          <a:p>
+            <a:pPr marL="342900" lvl="0" indent="-342900" algn="l">
+              <a:buFont typeface="+mj-lt"/>
+              <a:buAutoNum type="arabicPeriod"/>
+              <a:tabLst>
+                <a:tab pos="114300" algn="l"/>
+                <a:tab pos="171450" algn="l"/>
+              </a:tabLst>
+            </a:pPr>
+            <a:r>
+              <a:rPr lang="en-US" sz="900" dirty="0">
+                <a:effectLst/>
+                <a:latin typeface="Arial" panose="020B0604020202020204" pitchFamily="34" charset="0"/>
+                <a:ea typeface="MS Mincho" panose="02020609040205080304" pitchFamily="49" charset="-128"/>
+              </a:rPr>
+              <a:t>Azure Developer Associate</a:t>
+            </a:r>
+            <a:endParaRPr lang="en-IN" sz="900" dirty="0">
+              <a:effectLst/>
+              <a:latin typeface="Arial" panose="020B0604020202020204" pitchFamily="34" charset="0"/>
+              <a:ea typeface="MS Mincho" panose="02020609040205080304" pitchFamily="49" charset="-128"/>
+            </a:endParaRPr>
+          </a:p>
+        </p:txBody>
+      </p:sp>
+      <p:sp>
+        <p:nvSpPr>
+          <p:cNvPr id="16" name="TextBox 15">
+            <a:extLst>
+              <a:ext uri="{FF2B5EF4-FFF2-40B4-BE49-F238E27FC236}">
+                <a16:creationId xmlns:a16="http://schemas.microsoft.com/office/drawing/2014/main" id="{687D557F-893C-18CF-1A63-41848C9BE52A}"/>
+              </a:ext>
+            </a:extLst>
+          </p:cNvPr>
+          <p:cNvSpPr txBox="1"/>
+          <p:nvPr/>
+        </p:nvSpPr>
+        <p:spPr>
+          <a:xfrm>
+            <a:off x="9242029" y="5918277"/>
+            <a:ext cx="3107132" cy="215444"/>
+          </a:xfrm>
+          <a:prstGeom prst="rect">
+            <a:avLst/>
+          </a:prstGeom>
+          <a:noFill/>
+        </p:spPr>
+        <p:txBody>
+          <a:bodyPr wrap="square">
+            <a:spAutoFit/>
+          </a:bodyPr>
+          <a:lstStyle/>
+          <a:p>
+            <a:r>
+              <a:rPr lang="en-US" sz="800" dirty="0">
+                <a:effectLst/>
+                <a:latin typeface="Arial" panose="020B0604020202020204" pitchFamily="34" charset="0"/>
+                <a:ea typeface="Times New Roman" panose="02020603050405020304" pitchFamily="18" charset="0"/>
+              </a:rPr>
+              <a:t> Frameworks           , Angular</a:t>
+            </a:r>
+            <a:endParaRPr lang="en-IN" sz="800" dirty="0"/>
           </a:p>
         </p:txBody>
       </p:sp>
